--- a/COVID-19.pptx
+++ b/COVID-19.pptx
@@ -364,7 +364,7 @@
           <a:p>
             <a:fld id="{9184DA70-C731-4C70-880D-CCD4705E623C}" type="datetime1">
               <a:rPr lang="en-US" smtClean="0"/>
-              <a:t>9/12/2020</a:t>
+              <a:t>9/15/2020</a:t>
             </a:fld>
             <a:endParaRPr lang="en-US" dirty="0"/>
           </a:p>
@@ -552,7 +552,7 @@
           <a:p>
             <a:fld id="{B612A279-0833-481D-8C56-F67FD0AC6C50}" type="datetime1">
               <a:rPr lang="en-US" smtClean="0"/>
-              <a:t>9/12/2020</a:t>
+              <a:t>9/15/2020</a:t>
             </a:fld>
             <a:endParaRPr lang="en-US" dirty="0"/>
           </a:p>
@@ -794,7 +794,7 @@
           <a:p>
             <a:fld id="{6587DA83-5663-4C9C-B9AA-0B40A3DAFF81}" type="datetime1">
               <a:rPr lang="en-US" smtClean="0"/>
-              <a:t>9/12/2020</a:t>
+              <a:t>9/15/2020</a:t>
             </a:fld>
             <a:endParaRPr lang="en-US" dirty="0"/>
           </a:p>
@@ -982,7 +982,7 @@
           <a:p>
             <a:fld id="{4BE1D723-8F53-4F53-90B0-1982A396982E}" type="datetime1">
               <a:rPr lang="en-US" smtClean="0"/>
-              <a:t>9/12/2020</a:t>
+              <a:t>9/15/2020</a:t>
             </a:fld>
             <a:endParaRPr lang="en-US" dirty="0"/>
           </a:p>
@@ -1355,7 +1355,7 @@
           <a:p>
             <a:fld id="{97669AF7-7BEB-44E4-9852-375E34362B5B}" type="datetime1">
               <a:rPr lang="en-US" smtClean="0"/>
-              <a:t>9/12/2020</a:t>
+              <a:t>9/15/2020</a:t>
             </a:fld>
             <a:endParaRPr lang="en-US" dirty="0"/>
           </a:p>
@@ -1610,7 +1610,7 @@
           <a:p>
             <a:fld id="{BAAAC38D-0552-4C82-B593-E6124DFADBE2}" type="datetime1">
               <a:rPr lang="en-US" smtClean="0"/>
-              <a:t>9/12/2020</a:t>
+              <a:t>9/15/2020</a:t>
             </a:fld>
             <a:endParaRPr lang="en-US" dirty="0"/>
           </a:p>
@@ -2007,7 +2007,7 @@
           <a:p>
             <a:fld id="{D9DF0F1C-5577-4ACB-BB62-DF8F3C494C7E}" type="datetime1">
               <a:rPr lang="en-US" smtClean="0"/>
-              <a:t>9/12/2020</a:t>
+              <a:t>9/15/2020</a:t>
             </a:fld>
             <a:endParaRPr lang="en-US" dirty="0"/>
           </a:p>
@@ -2143,7 +2143,7 @@
           <a:p>
             <a:fld id="{1775B394-D9F9-4F0C-B15D-605F45CB9E9F}" type="datetime1">
               <a:rPr lang="en-US" smtClean="0"/>
-              <a:t>9/12/2020</a:t>
+              <a:t>9/15/2020</a:t>
             </a:fld>
             <a:endParaRPr lang="en-US" dirty="0"/>
           </a:p>
@@ -2300,7 +2300,7 @@
           <a:p>
             <a:fld id="{39667345-2558-425A-8533-9BFDBCE15005}" type="datetime1">
               <a:rPr lang="en-US" smtClean="0"/>
-              <a:t>9/12/2020</a:t>
+              <a:t>9/15/2020</a:t>
             </a:fld>
             <a:endParaRPr lang="en-US" dirty="0"/>
           </a:p>
@@ -2629,7 +2629,7 @@
           <a:p>
             <a:fld id="{92BEA474-078D-4E9B-9B14-09A87B19DC46}" type="datetime1">
               <a:rPr lang="en-US" smtClean="0"/>
-              <a:t>9/12/2020</a:t>
+              <a:t>9/15/2020</a:t>
             </a:fld>
             <a:endParaRPr lang="en-US" dirty="0"/>
           </a:p>
@@ -2979,7 +2979,7 @@
           <a:p>
             <a:fld id="{4907D986-8816-4272-A432-0437A28A9828}" type="datetime1">
               <a:rPr lang="en-US" smtClean="0"/>
-              <a:t>9/12/2020</a:t>
+              <a:t>9/15/2020</a:t>
             </a:fld>
             <a:endParaRPr lang="en-US" dirty="0"/>
           </a:p>
@@ -3240,7 +3240,7 @@
           <a:p>
             <a:fld id="{62D6E202-B606-4609-B914-27C9371A1F6D}" type="datetime1">
               <a:rPr lang="en-US" smtClean="0"/>
-              <a:t>9/12/2020</a:t>
+              <a:t>9/15/2020</a:t>
             </a:fld>
             <a:endParaRPr lang="en-US" dirty="0"/>
           </a:p>
@@ -4193,7 +4193,7 @@
             </a:pPr>
             <a:r>
               <a:rPr lang="en-US" b="1" dirty="0"/>
-              <a:t>Probability of wearing masks </a:t>
+              <a:t>Proportion of people of wearing masks </a:t>
             </a:r>
             <a:r>
               <a:rPr lang="en-US" dirty="0"/>
